--- a/CVPresentation.pptx
+++ b/CVPresentation.pptx
@@ -6155,7 +6155,7 @@
           <p:nvPr>
             <p:extLst>
               <p:ext uri="{D42A27DB-BD31-4B8C-83A1-F6EECF244321}">
-                <p14:modId xmlns:p14="http://schemas.microsoft.com/office/powerpoint/2010/main" val="1550126931"/>
+                <p14:modId xmlns:p14="http://schemas.microsoft.com/office/powerpoint/2010/main" val="926269933"/>
               </p:ext>
             </p:extLst>
           </p:nvPr>
@@ -6250,12 +6250,12 @@
                     <a:p>
                       <a:pPr algn="ctr" fontAlgn="ctr"/>
                       <a:r>
-                        <a:rPr lang="fr-FR" sz="1100" u="none" strike="noStrike">
+                        <a:rPr lang="fr-FR" sz="1100" u="none" strike="noStrike" dirty="0">
                           <a:effectLst/>
                         </a:rPr>
                         <a:t>1/1000</a:t>
                       </a:r>
-                      <a:endParaRPr lang="fr-FR" sz="1100" b="0" i="0" u="none" strike="noStrike">
+                      <a:endParaRPr lang="fr-FR" sz="1100" b="0" i="0" u="none" strike="noStrike" dirty="0">
                         <a:solidFill>
                           <a:srgbClr val="000000"/>
                         </a:solidFill>
@@ -6537,12 +6537,18 @@
                     <a:p>
                       <a:pPr algn="ctr" fontAlgn="ctr"/>
                       <a:r>
-                        <a:rPr lang="fr-FR" sz="1100" u="none" strike="noStrike">
+                        <a:rPr lang="fr-FR" sz="1100" u="none" strike="noStrike" dirty="0">
                           <a:effectLst/>
                         </a:rPr>
                         <a:t> </a:t>
                       </a:r>
-                      <a:endParaRPr lang="fr-FR" sz="1100" b="0" i="0" u="none" strike="noStrike">
+                      <a:r>
+                        <a:rPr lang="fr-FR" sz="1100" u="none" strike="noStrike" dirty="0" smtClean="0">
+                          <a:effectLst/>
+                        </a:rPr>
+                        <a:t>16 h</a:t>
+                      </a:r>
+                      <a:endParaRPr lang="fr-FR" sz="1100" b="0" i="0" u="none" strike="noStrike" dirty="0">
                         <a:solidFill>
                           <a:srgbClr val="000000"/>
                         </a:solidFill>
@@ -6583,12 +6589,12 @@
                     <a:p>
                       <a:pPr algn="ctr" fontAlgn="ctr"/>
                       <a:r>
-                        <a:rPr lang="fr-FR" sz="1100" u="none" strike="noStrike">
+                        <a:rPr lang="fr-FR" sz="1100" u="none" strike="noStrike" dirty="0">
                           <a:effectLst/>
                         </a:rPr>
                         <a:t>1 mn</a:t>
                       </a:r>
-                      <a:endParaRPr lang="fr-FR" sz="1100" b="0" i="0" u="none" strike="noStrike">
+                      <a:endParaRPr lang="fr-FR" sz="1100" b="0" i="0" u="none" strike="noStrike" dirty="0">
                         <a:solidFill>
                           <a:srgbClr val="000000"/>
                         </a:solidFill>
@@ -6678,7 +6684,7 @@
         </p:blipFill>
         <p:spPr>
           <a:xfrm>
-            <a:off x="4423108" y="3479155"/>
+            <a:off x="3841800" y="3428999"/>
             <a:ext cx="1526842" cy="2480939"/>
           </a:xfrm>
           <a:prstGeom prst="rect">
@@ -6736,7 +6742,7 @@
         </p:blipFill>
         <p:spPr>
           <a:xfrm>
-            <a:off x="1804752" y="3429000"/>
+            <a:off x="2000244" y="3429000"/>
             <a:ext cx="1543112" cy="2551832"/>
           </a:xfrm>
           <a:prstGeom prst="rect">
@@ -6818,8 +6824,8 @@
         </p:nvCxnSpPr>
         <p:spPr>
           <a:xfrm flipH="1">
-            <a:off x="5364088" y="2924943"/>
-            <a:ext cx="288032" cy="360041"/>
+            <a:off x="4605222" y="2969861"/>
+            <a:ext cx="943944" cy="311081"/>
           </a:xfrm>
           <a:prstGeom prst="straightConnector1">
             <a:avLst/>
@@ -6864,7 +6870,7 @@
         </p:blipFill>
         <p:spPr>
           <a:xfrm>
-            <a:off x="7514318" y="3429000"/>
+            <a:off x="7514318" y="3428998"/>
             <a:ext cx="1522180" cy="2480939"/>
           </a:xfrm>
           <a:prstGeom prst="rect">
@@ -6880,8 +6886,8 @@
         </p:nvCxnSpPr>
         <p:spPr>
           <a:xfrm>
-            <a:off x="7740352" y="2924943"/>
-            <a:ext cx="432048" cy="360041"/>
+            <a:off x="8100392" y="2996950"/>
+            <a:ext cx="72008" cy="288034"/>
           </a:xfrm>
           <a:prstGeom prst="straightConnector1">
             <a:avLst/>
@@ -6926,7 +6932,7 @@
         </p:blipFill>
         <p:spPr>
           <a:xfrm>
-            <a:off x="5994555" y="3459458"/>
+            <a:off x="5698469" y="3428999"/>
             <a:ext cx="1486022" cy="2480939"/>
           </a:xfrm>
           <a:prstGeom prst="rect">
@@ -6942,8 +6948,8 @@
         </p:nvCxnSpPr>
         <p:spPr>
           <a:xfrm flipH="1">
-            <a:off x="6660232" y="2969861"/>
-            <a:ext cx="77334" cy="414387"/>
+            <a:off x="6413264" y="2969861"/>
+            <a:ext cx="324302" cy="283908"/>
           </a:xfrm>
           <a:prstGeom prst="straightConnector1">
             <a:avLst/>
@@ -7053,7 +7059,7 @@
         <p:spPr>
           <a:xfrm>
             <a:off x="392113" y="1198563"/>
-            <a:ext cx="8356600" cy="1150317"/>
+            <a:ext cx="8356600" cy="430237"/>
           </a:xfrm>
         </p:spPr>
         <p:txBody>
@@ -7061,10 +7067,10 @@
           <a:lstStyle/>
           <a:p>
             <a:r>
-              <a:rPr lang="de-DE" dirty="0" smtClean="0"/>
-              <a:t>A</a:t>
-            </a:r>
-            <a:endParaRPr lang="de-DE" dirty="0"/>
+              <a:rPr lang="de-DE" dirty="0" err="1" smtClean="0"/>
+              <a:t>Opening</a:t>
+            </a:r>
+            <a:endParaRPr lang="de-DE" dirty="0" smtClean="0"/>
           </a:p>
         </p:txBody>
       </p:sp>
@@ -7091,6 +7097,66 @@
           </a:p>
         </p:txBody>
       </p:sp>
+      <p:pic>
+        <p:nvPicPr>
+          <p:cNvPr id="7" name="Image 6"/>
+          <p:cNvPicPr>
+            <a:picLocks noChangeAspect="1"/>
+          </p:cNvPicPr>
+          <p:nvPr/>
+        </p:nvPicPr>
+        <p:blipFill>
+          <a:blip r:embed="rId2">
+            <a:extLst>
+              <a:ext uri="{28A0092B-C50C-407E-A947-70E740481C1C}">
+                <a14:useLocalDpi xmlns:a14="http://schemas.microsoft.com/office/drawing/2010/main" val="0"/>
+              </a:ext>
+            </a:extLst>
+          </a:blip>
+          <a:stretch>
+            <a:fillRect/>
+          </a:stretch>
+        </p:blipFill>
+        <p:spPr>
+          <a:xfrm>
+            <a:off x="4649727" y="1662584"/>
+            <a:ext cx="4371445" cy="3278584"/>
+          </a:xfrm>
+          <a:prstGeom prst="rect">
+            <a:avLst/>
+          </a:prstGeom>
+        </p:spPr>
+      </p:pic>
+      <p:pic>
+        <p:nvPicPr>
+          <p:cNvPr id="8" name="Image 7"/>
+          <p:cNvPicPr>
+            <a:picLocks noChangeAspect="1"/>
+          </p:cNvPicPr>
+          <p:nvPr/>
+        </p:nvPicPr>
+        <p:blipFill>
+          <a:blip r:embed="rId3">
+            <a:extLst>
+              <a:ext uri="{28A0092B-C50C-407E-A947-70E740481C1C}">
+                <a14:useLocalDpi xmlns:a14="http://schemas.microsoft.com/office/drawing/2010/main" val="0"/>
+              </a:ext>
+            </a:extLst>
+          </a:blip>
+          <a:stretch>
+            <a:fillRect/>
+          </a:stretch>
+        </p:blipFill>
+        <p:spPr>
+          <a:xfrm>
+            <a:off x="251519" y="1662584"/>
+            <a:ext cx="4371445" cy="3278584"/>
+          </a:xfrm>
+          <a:prstGeom prst="rect">
+            <a:avLst/>
+          </a:prstGeom>
+        </p:spPr>
+      </p:pic>
     </p:spTree>
     <p:extLst>
       <p:ext uri="{BB962C8B-B14F-4D97-AF65-F5344CB8AC3E}">
@@ -7166,7 +7232,7 @@
           <a:bodyPr/>
           <a:lstStyle/>
           <a:p>
-            <a:endParaRPr lang="de-DE"/>
+            <a:endParaRPr lang="de-DE" dirty="0"/>
           </a:p>
         </p:txBody>
       </p:sp>
